--- a/Sociology/Презентация Microsoft PowerPoint.pptx
+++ b/Sociology/Презентация Microsoft PowerPoint.pptx
@@ -13,8 +13,8 @@
     <p:sldId id="262" r:id="rId7"/>
     <p:sldId id="260" r:id="rId8"/>
     <p:sldId id="261" r:id="rId9"/>
-    <p:sldId id="264" r:id="rId10"/>
-    <p:sldId id="265" r:id="rId11"/>
+    <p:sldId id="265" r:id="rId10"/>
+    <p:sldId id="264" r:id="rId11"/>
   </p:sldIdLst>
   <p:sldSz cx="12192000" cy="6858000"/>
   <p:notesSz cx="6858000" cy="9144000"/>
@@ -113,6 +113,11 @@
       </a:defRPr>
     </a:lvl9pPr>
   </p:defaultTextStyle>
+  <p:extLst>
+    <p:ext uri="{EFAFB233-063F-42B5-8137-9DF3F51BA10A}">
+      <p15:sldGuideLst xmlns:p15="http://schemas.microsoft.com/office/powerpoint/2012/main"/>
+    </p:ext>
+  </p:extLst>
 </p:presentation>
 </file>
 
@@ -265,7 +270,7 @@
           <a:p>
             <a:fld id="{D2595B5E-F20F-42EA-871D-2953C6C25928}" type="datetimeFigureOut">
               <a:rPr lang="LID4096" smtClean="0"/>
-              <a:t>11/26/2020</a:t>
+              <a:t>12/10/2020</a:t>
             </a:fld>
             <a:endParaRPr lang="LID4096"/>
           </a:p>
@@ -465,7 +470,7 @@
           <a:p>
             <a:fld id="{D2595B5E-F20F-42EA-871D-2953C6C25928}" type="datetimeFigureOut">
               <a:rPr lang="LID4096" smtClean="0"/>
-              <a:t>11/26/2020</a:t>
+              <a:t>12/10/2020</a:t>
             </a:fld>
             <a:endParaRPr lang="LID4096"/>
           </a:p>
@@ -675,7 +680,7 @@
           <a:p>
             <a:fld id="{D2595B5E-F20F-42EA-871D-2953C6C25928}" type="datetimeFigureOut">
               <a:rPr lang="LID4096" smtClean="0"/>
-              <a:t>11/26/2020</a:t>
+              <a:t>12/10/2020</a:t>
             </a:fld>
             <a:endParaRPr lang="LID4096"/>
           </a:p>
@@ -875,7 +880,7 @@
           <a:p>
             <a:fld id="{D2595B5E-F20F-42EA-871D-2953C6C25928}" type="datetimeFigureOut">
               <a:rPr lang="LID4096" smtClean="0"/>
-              <a:t>11/26/2020</a:t>
+              <a:t>12/10/2020</a:t>
             </a:fld>
             <a:endParaRPr lang="LID4096"/>
           </a:p>
@@ -1151,7 +1156,7 @@
           <a:p>
             <a:fld id="{D2595B5E-F20F-42EA-871D-2953C6C25928}" type="datetimeFigureOut">
               <a:rPr lang="LID4096" smtClean="0"/>
-              <a:t>11/26/2020</a:t>
+              <a:t>12/10/2020</a:t>
             </a:fld>
             <a:endParaRPr lang="LID4096"/>
           </a:p>
@@ -1419,7 +1424,7 @@
           <a:p>
             <a:fld id="{D2595B5E-F20F-42EA-871D-2953C6C25928}" type="datetimeFigureOut">
               <a:rPr lang="LID4096" smtClean="0"/>
-              <a:t>11/26/2020</a:t>
+              <a:t>12/10/2020</a:t>
             </a:fld>
             <a:endParaRPr lang="LID4096"/>
           </a:p>
@@ -1834,7 +1839,7 @@
           <a:p>
             <a:fld id="{D2595B5E-F20F-42EA-871D-2953C6C25928}" type="datetimeFigureOut">
               <a:rPr lang="LID4096" smtClean="0"/>
-              <a:t>11/26/2020</a:t>
+              <a:t>12/10/2020</a:t>
             </a:fld>
             <a:endParaRPr lang="LID4096"/>
           </a:p>
@@ -1976,7 +1981,7 @@
           <a:p>
             <a:fld id="{D2595B5E-F20F-42EA-871D-2953C6C25928}" type="datetimeFigureOut">
               <a:rPr lang="LID4096" smtClean="0"/>
-              <a:t>11/26/2020</a:t>
+              <a:t>12/10/2020</a:t>
             </a:fld>
             <a:endParaRPr lang="LID4096"/>
           </a:p>
@@ -2089,7 +2094,7 @@
           <a:p>
             <a:fld id="{D2595B5E-F20F-42EA-871D-2953C6C25928}" type="datetimeFigureOut">
               <a:rPr lang="LID4096" smtClean="0"/>
-              <a:t>11/26/2020</a:t>
+              <a:t>12/10/2020</a:t>
             </a:fld>
             <a:endParaRPr lang="LID4096"/>
           </a:p>
@@ -2402,7 +2407,7 @@
           <a:p>
             <a:fld id="{D2595B5E-F20F-42EA-871D-2953C6C25928}" type="datetimeFigureOut">
               <a:rPr lang="LID4096" smtClean="0"/>
-              <a:t>11/26/2020</a:t>
+              <a:t>12/10/2020</a:t>
             </a:fld>
             <a:endParaRPr lang="LID4096"/>
           </a:p>
@@ -2691,7 +2696,7 @@
           <a:p>
             <a:fld id="{D2595B5E-F20F-42EA-871D-2953C6C25928}" type="datetimeFigureOut">
               <a:rPr lang="LID4096" smtClean="0"/>
-              <a:t>11/26/2020</a:t>
+              <a:t>12/10/2020</a:t>
             </a:fld>
             <a:endParaRPr lang="LID4096"/>
           </a:p>
@@ -2934,7 +2939,7 @@
           <a:p>
             <a:fld id="{D2595B5E-F20F-42EA-871D-2953C6C25928}" type="datetimeFigureOut">
               <a:rPr lang="LID4096" smtClean="0"/>
-              <a:t>11/26/2020</a:t>
+              <a:t>12/10/2020</a:t>
             </a:fld>
             <a:endParaRPr lang="LID4096"/>
           </a:p>
@@ -3608,7 +3613,7 @@
           <p:cNvPr id="2" name="Заголовок 1">
             <a:extLst>
               <a:ext uri="{FF2B5EF4-FFF2-40B4-BE49-F238E27FC236}">
-                <a16:creationId xmlns:a16="http://schemas.microsoft.com/office/drawing/2014/main" id="{7A0FC3CB-A19B-42C9-A6EC-13D5D7CD824D}"/>
+                <a16:creationId xmlns:a16="http://schemas.microsoft.com/office/drawing/2014/main" id="{B8958D16-B302-4EFF-9DC4-803619E4BE03}"/>
               </a:ext>
             </a:extLst>
           </p:cNvPr>
@@ -3626,7 +3631,7 @@
           <a:p>
             <a:r>
               <a:rPr lang="ru-RU" dirty="0"/>
-              <a:t>Спасибо за внимание!</a:t>
+              <a:t>Источники</a:t>
             </a:r>
             <a:endParaRPr lang="LID4096" dirty="0"/>
           </a:p>
@@ -3637,7 +3642,7 @@
           <p:cNvPr id="3" name="Объект 2">
             <a:extLst>
               <a:ext uri="{FF2B5EF4-FFF2-40B4-BE49-F238E27FC236}">
-                <a16:creationId xmlns:a16="http://schemas.microsoft.com/office/drawing/2014/main" id="{12313F0C-8113-4E39-B744-D36F69F85ED0}"/>
+                <a16:creationId xmlns:a16="http://schemas.microsoft.com/office/drawing/2014/main" id="{9FFB3180-D711-4732-B6BD-BCDE7F42AABB}"/>
               </a:ext>
             </a:extLst>
           </p:cNvPr>
@@ -3650,17 +3655,38 @@
         </p:nvSpPr>
         <p:spPr/>
         <p:txBody>
-          <a:bodyPr/>
-          <a:lstStyle/>
-          <a:p>
-            <a:endParaRPr lang="LID4096" dirty="0"/>
+          <a:bodyPr>
+            <a:normAutofit/>
+          </a:bodyPr>
+          <a:lstStyle/>
+          <a:p>
+            <a:r>
+              <a:rPr lang="en-US" dirty="0">
+                <a:hlinkClick r:id="rId2"/>
+              </a:rPr>
+              <a:t>https://www.gazeta.ru/tech/2016/11/09/10318019/internetvstv.shtml</a:t>
+            </a:r>
+            <a:endParaRPr lang="ru-RU" dirty="0"/>
+          </a:p>
+          <a:p>
+            <a:pPr algn="l"/>
+            <a:r>
+              <a:rPr lang="ru-RU" b="0" i="0" dirty="0">
+                <a:solidFill>
+                  <a:srgbClr val="343434"/>
+                </a:solidFill>
+                <a:effectLst/>
+                <a:latin typeface="Open Sans"/>
+              </a:rPr>
+              <a:t>АНАЛИЗ ВЛИЯНИЯ СОЦИАЛЬНЫХ СЕТЕЙ НА ЖИЗНЬ СОВРЕМЕННОГО ОБЩЕСТВА, Абдуллаева Р. А.</a:t>
+            </a:r>
           </a:p>
         </p:txBody>
       </p:sp>
     </p:spTree>
     <p:extLst>
       <p:ext uri="{BB962C8B-B14F-4D97-AF65-F5344CB8AC3E}">
-        <p14:creationId xmlns:p14="http://schemas.microsoft.com/office/powerpoint/2010/main" val="1438076410"/>
+        <p14:creationId xmlns:p14="http://schemas.microsoft.com/office/powerpoint/2010/main" val="3430327387"/>
       </p:ext>
     </p:extLst>
   </p:cSld>
@@ -4362,7 +4388,7 @@
           <p:cNvPr id="2" name="Заголовок 1">
             <a:extLst>
               <a:ext uri="{FF2B5EF4-FFF2-40B4-BE49-F238E27FC236}">
-                <a16:creationId xmlns:a16="http://schemas.microsoft.com/office/drawing/2014/main" id="{B8958D16-B302-4EFF-9DC4-803619E4BE03}"/>
+                <a16:creationId xmlns:a16="http://schemas.microsoft.com/office/drawing/2014/main" id="{7A0FC3CB-A19B-42C9-A6EC-13D5D7CD824D}"/>
               </a:ext>
             </a:extLst>
           </p:cNvPr>
@@ -4380,7 +4406,7 @@
           <a:p>
             <a:r>
               <a:rPr lang="ru-RU" dirty="0"/>
-              <a:t>Источники</a:t>
+              <a:t>Спасибо за внимание!</a:t>
             </a:r>
             <a:endParaRPr lang="LID4096" dirty="0"/>
           </a:p>
@@ -4391,7 +4417,7 @@
           <p:cNvPr id="3" name="Объект 2">
             <a:extLst>
               <a:ext uri="{FF2B5EF4-FFF2-40B4-BE49-F238E27FC236}">
-                <a16:creationId xmlns:a16="http://schemas.microsoft.com/office/drawing/2014/main" id="{9FFB3180-D711-4732-B6BD-BCDE7F42AABB}"/>
+                <a16:creationId xmlns:a16="http://schemas.microsoft.com/office/drawing/2014/main" id="{12313F0C-8113-4E39-B744-D36F69F85ED0}"/>
               </a:ext>
             </a:extLst>
           </p:cNvPr>
@@ -4404,38 +4430,17 @@
         </p:nvSpPr>
         <p:spPr/>
         <p:txBody>
-          <a:bodyPr>
-            <a:normAutofit/>
-          </a:bodyPr>
-          <a:lstStyle/>
-          <a:p>
-            <a:r>
-              <a:rPr lang="en-US" dirty="0">
-                <a:hlinkClick r:id="rId2"/>
-              </a:rPr>
-              <a:t>https://www.gazeta.ru/tech/2016/11/09/10318019/internetvstv.shtml</a:t>
-            </a:r>
-            <a:endParaRPr lang="ru-RU" dirty="0"/>
-          </a:p>
-          <a:p>
-            <a:pPr algn="l"/>
-            <a:r>
-              <a:rPr lang="ru-RU" b="0" i="0" dirty="0">
-                <a:solidFill>
-                  <a:srgbClr val="343434"/>
-                </a:solidFill>
-                <a:effectLst/>
-                <a:latin typeface="Open Sans"/>
-              </a:rPr>
-              <a:t>АНАЛИЗ ВЛИЯНИЯ СОЦИАЛЬНЫХ СЕТЕЙ НА ЖИЗНЬ СОВРЕМЕННОГО ОБЩЕСТВА, Абдуллаева Р. А.</a:t>
-            </a:r>
+          <a:bodyPr/>
+          <a:lstStyle/>
+          <a:p>
+            <a:endParaRPr lang="LID4096" dirty="0"/>
           </a:p>
         </p:txBody>
       </p:sp>
     </p:spTree>
     <p:extLst>
       <p:ext uri="{BB962C8B-B14F-4D97-AF65-F5344CB8AC3E}">
-        <p14:creationId xmlns:p14="http://schemas.microsoft.com/office/powerpoint/2010/main" val="3430327387"/>
+        <p14:creationId xmlns:p14="http://schemas.microsoft.com/office/powerpoint/2010/main" val="1438076410"/>
       </p:ext>
     </p:extLst>
   </p:cSld>
